--- a/materials/session_12/PL/ML-Session12-PL.pptx
+++ b/materials/session_12/PL/ML-Session12-PL.pptx
@@ -117,6 +117,7 @@
 <file path=ppt/revisionInfo.xml><?xml version="1.0" encoding="utf-8"?>
 <p1510:revInfo xmlns:a="http://schemas.openxmlformats.org/drawingml/2006/main" xmlns:r="http://schemas.openxmlformats.org/officeDocument/2006/relationships" xmlns:p1510="http://schemas.microsoft.com/office/powerpoint/2015/10/main">
   <p1510:revLst>
+    <p1510:client id="{4E90D179-980C-2721-0F82-E45768FE98AD}" v="8" dt="2024-03-19T08:44:58.365"/>
     <p1510:client id="{7C761F93-69B6-61A0-49E9-A142F88F5ED2}" v="124" dt="2024-03-18T18:20:15.507"/>
   </p1510:revLst>
 </p1510:revInfo>
@@ -251,7 +252,7 @@
           <a:p>
             <a:fld id="{E431C0BB-DC71-4713-A787-95011EDB8CA8}" type="datetimeFigureOut">
               <a:rPr lang="pt-PT" smtClean="0"/>
-              <a:t>18/03/2024</a:t>
+              <a:t>19/03/2024</a:t>
             </a:fld>
             <a:endParaRPr lang="pt-PT"/>
           </a:p>
@@ -419,7 +420,7 @@
           <a:p>
             <a:fld id="{E431C0BB-DC71-4713-A787-95011EDB8CA8}" type="datetimeFigureOut">
               <a:rPr lang="pt-PT" smtClean="0"/>
-              <a:t>18/03/2024</a:t>
+              <a:t>19/03/2024</a:t>
             </a:fld>
             <a:endParaRPr lang="pt-PT"/>
           </a:p>
@@ -597,7 +598,7 @@
           <a:p>
             <a:fld id="{E431C0BB-DC71-4713-A787-95011EDB8CA8}" type="datetimeFigureOut">
               <a:rPr lang="pt-PT" smtClean="0"/>
-              <a:t>18/03/2024</a:t>
+              <a:t>19/03/2024</a:t>
             </a:fld>
             <a:endParaRPr lang="pt-PT"/>
           </a:p>
@@ -765,7 +766,7 @@
           <a:p>
             <a:fld id="{E431C0BB-DC71-4713-A787-95011EDB8CA8}" type="datetimeFigureOut">
               <a:rPr lang="pt-PT" smtClean="0"/>
-              <a:t>18/03/2024</a:t>
+              <a:t>19/03/2024</a:t>
             </a:fld>
             <a:endParaRPr lang="pt-PT"/>
           </a:p>
@@ -1010,7 +1011,7 @@
           <a:p>
             <a:fld id="{E431C0BB-DC71-4713-A787-95011EDB8CA8}" type="datetimeFigureOut">
               <a:rPr lang="pt-PT" smtClean="0"/>
-              <a:t>18/03/2024</a:t>
+              <a:t>19/03/2024</a:t>
             </a:fld>
             <a:endParaRPr lang="pt-PT"/>
           </a:p>
@@ -1239,7 +1240,7 @@
           <a:p>
             <a:fld id="{E431C0BB-DC71-4713-A787-95011EDB8CA8}" type="datetimeFigureOut">
               <a:rPr lang="pt-PT" smtClean="0"/>
-              <a:t>18/03/2024</a:t>
+              <a:t>19/03/2024</a:t>
             </a:fld>
             <a:endParaRPr lang="pt-PT"/>
           </a:p>
@@ -1603,7 +1604,7 @@
           <a:p>
             <a:fld id="{E431C0BB-DC71-4713-A787-95011EDB8CA8}" type="datetimeFigureOut">
               <a:rPr lang="pt-PT" smtClean="0"/>
-              <a:t>18/03/2024</a:t>
+              <a:t>19/03/2024</a:t>
             </a:fld>
             <a:endParaRPr lang="pt-PT"/>
           </a:p>
@@ -1720,7 +1721,7 @@
           <a:p>
             <a:fld id="{E431C0BB-DC71-4713-A787-95011EDB8CA8}" type="datetimeFigureOut">
               <a:rPr lang="pt-PT" smtClean="0"/>
-              <a:t>18/03/2024</a:t>
+              <a:t>19/03/2024</a:t>
             </a:fld>
             <a:endParaRPr lang="pt-PT"/>
           </a:p>
@@ -1815,7 +1816,7 @@
           <a:p>
             <a:fld id="{E431C0BB-DC71-4713-A787-95011EDB8CA8}" type="datetimeFigureOut">
               <a:rPr lang="pt-PT" smtClean="0"/>
-              <a:t>18/03/2024</a:t>
+              <a:t>19/03/2024</a:t>
             </a:fld>
             <a:endParaRPr lang="pt-PT"/>
           </a:p>
@@ -2090,7 +2091,7 @@
           <a:p>
             <a:fld id="{E431C0BB-DC71-4713-A787-95011EDB8CA8}" type="datetimeFigureOut">
               <a:rPr lang="pt-PT" smtClean="0"/>
-              <a:t>18/03/2024</a:t>
+              <a:t>19/03/2024</a:t>
             </a:fld>
             <a:endParaRPr lang="pt-PT"/>
           </a:p>
@@ -2342,7 +2343,7 @@
           <a:p>
             <a:fld id="{E431C0BB-DC71-4713-A787-95011EDB8CA8}" type="datetimeFigureOut">
               <a:rPr lang="pt-PT" smtClean="0"/>
-              <a:t>18/03/2024</a:t>
+              <a:t>19/03/2024</a:t>
             </a:fld>
             <a:endParaRPr lang="pt-PT"/>
           </a:p>
@@ -2553,7 +2554,7 @@
           <a:p>
             <a:fld id="{E431C0BB-DC71-4713-A787-95011EDB8CA8}" type="datetimeFigureOut">
               <a:rPr lang="pt-PT" smtClean="0"/>
-              <a:t>18/03/2024</a:t>
+              <a:t>19/03/2024</a:t>
             </a:fld>
             <a:endParaRPr lang="pt-PT"/>
           </a:p>
@@ -3780,7 +3781,7 @@
                 <a:latin typeface="Calibri"/>
                 <a:cs typeface="Calibri"/>
               </a:rPr>
-              <a:t> 11 - PL</a:t>
+              <a:t> 12 - PL</a:t>
             </a:r>
           </a:p>
         </p:txBody>
